--- a/docs/songs_2022-05-15.pptx
+++ b/docs/songs_2022-05-15.pptx
@@ -5227,7 +5227,7 @@
                   <a:schemeClr val="bg1"/>
                 </a:solidFill>
               </a:rPr>
-              <a:t>My God Is So Great</a:t>
+              <a:t>My God Is So Big</a:t>
             </a:r>
             <a:br>
               <a:rPr lang="en-GB" sz="9600" dirty="0">
@@ -6533,7 +6533,7 @@
                   <a:schemeClr val="bg1"/>
                 </a:solidFill>
               </a:rPr>
-              <a:t>My God is so great</a:t>
+              <a:t>My God is so big</a:t>
             </a:r>
           </a:p>
           <a:p>
@@ -6563,7 +6563,7 @@
                   <a:schemeClr val="bg1"/>
                 </a:solidFill>
               </a:rPr>
-              <a:t>My God is so great</a:t>
+              <a:t>My God is so big</a:t>
             </a:r>
           </a:p>
           <a:p>
@@ -6583,23 +6583,7 @@
                   <a:schemeClr val="bg1"/>
                 </a:solidFill>
               </a:rPr>
-              <a:t>My God can make </a:t>
-            </a:r>
-            <a:r>
-              <a:rPr lang="en-GB" sz="4800" dirty="0" err="1">
-                <a:solidFill>
-                  <a:schemeClr val="bg1"/>
-                </a:solidFill>
-              </a:rPr>
-              <a:t>ev'rything</a:t>
-            </a:r>
-            <a:r>
-              <a:rPr lang="en-GB" sz="4800" dirty="0">
-                <a:solidFill>
-                  <a:schemeClr val="bg1"/>
-                </a:solidFill>
-              </a:rPr>
-              <a:t> new</a:t>
+              <a:t>There's nothing my God can not do</a:t>
             </a:r>
           </a:p>
         </p:txBody>
@@ -6737,7 +6721,7 @@
                   <a:schemeClr val="bg1"/>
                 </a:solidFill>
               </a:rPr>
-              <a:t>My God is so great</a:t>
+              <a:t>My God is so big</a:t>
             </a:r>
           </a:p>
           <a:p>

--- a/docs/songs_2022-05-15.pptx
+++ b/docs/songs_2022-05-15.pptx
@@ -234,7 +234,7 @@
           <a:p>
             <a:fld id="{C57EAEFC-A9C7-464E-BE3F-33D4DD72E122}" type="datetimeFigureOut">
               <a:rPr lang="en-GB" smtClean="0"/>
-              <a:t>09/05/2022</a:t>
+              <a:t>14/05/2022</a:t>
             </a:fld>
             <a:endParaRPr lang="en-GB"/>
           </a:p>
@@ -684,7 +684,7 @@
             <a:fld id="{26EA1CF3-4A15-4CBF-9A5A-6A56C368BE71}" type="datetimeFigureOut">
               <a:rPr lang="en-GB" smtClean="0"/>
               <a:pPr/>
-              <a:t>09/05/2022</a:t>
+              <a:t>14/05/2022</a:t>
             </a:fld>
             <a:endParaRPr lang="en-GB"/>
           </a:p>
@@ -851,7 +851,7 @@
             <a:fld id="{26EA1CF3-4A15-4CBF-9A5A-6A56C368BE71}" type="datetimeFigureOut">
               <a:rPr lang="en-GB" smtClean="0"/>
               <a:pPr/>
-              <a:t>09/05/2022</a:t>
+              <a:t>14/05/2022</a:t>
             </a:fld>
             <a:endParaRPr lang="en-GB"/>
           </a:p>
@@ -1028,7 +1028,7 @@
             <a:fld id="{26EA1CF3-4A15-4CBF-9A5A-6A56C368BE71}" type="datetimeFigureOut">
               <a:rPr lang="en-GB" smtClean="0"/>
               <a:pPr/>
-              <a:t>09/05/2022</a:t>
+              <a:t>14/05/2022</a:t>
             </a:fld>
             <a:endParaRPr lang="en-GB"/>
           </a:p>
@@ -1195,7 +1195,7 @@
             <a:fld id="{26EA1CF3-4A15-4CBF-9A5A-6A56C368BE71}" type="datetimeFigureOut">
               <a:rPr lang="en-GB" smtClean="0"/>
               <a:pPr/>
-              <a:t>09/05/2022</a:t>
+              <a:t>14/05/2022</a:t>
             </a:fld>
             <a:endParaRPr lang="en-GB"/>
           </a:p>
@@ -1438,7 +1438,7 @@
             <a:fld id="{26EA1CF3-4A15-4CBF-9A5A-6A56C368BE71}" type="datetimeFigureOut">
               <a:rPr lang="en-GB" smtClean="0"/>
               <a:pPr/>
-              <a:t>09/05/2022</a:t>
+              <a:t>14/05/2022</a:t>
             </a:fld>
             <a:endParaRPr lang="en-GB"/>
           </a:p>
@@ -1723,7 +1723,7 @@
             <a:fld id="{26EA1CF3-4A15-4CBF-9A5A-6A56C368BE71}" type="datetimeFigureOut">
               <a:rPr lang="en-GB" smtClean="0"/>
               <a:pPr/>
-              <a:t>09/05/2022</a:t>
+              <a:t>14/05/2022</a:t>
             </a:fld>
             <a:endParaRPr lang="en-GB"/>
           </a:p>
@@ -2142,7 +2142,7 @@
             <a:fld id="{26EA1CF3-4A15-4CBF-9A5A-6A56C368BE71}" type="datetimeFigureOut">
               <a:rPr lang="en-GB" smtClean="0"/>
               <a:pPr/>
-              <a:t>09/05/2022</a:t>
+              <a:t>14/05/2022</a:t>
             </a:fld>
             <a:endParaRPr lang="en-GB"/>
           </a:p>
@@ -2257,7 +2257,7 @@
             <a:fld id="{26EA1CF3-4A15-4CBF-9A5A-6A56C368BE71}" type="datetimeFigureOut">
               <a:rPr lang="en-GB" smtClean="0"/>
               <a:pPr/>
-              <a:t>09/05/2022</a:t>
+              <a:t>14/05/2022</a:t>
             </a:fld>
             <a:endParaRPr lang="en-GB"/>
           </a:p>
@@ -2349,7 +2349,7 @@
             <a:fld id="{26EA1CF3-4A15-4CBF-9A5A-6A56C368BE71}" type="datetimeFigureOut">
               <a:rPr lang="en-GB" smtClean="0"/>
               <a:pPr/>
-              <a:t>09/05/2022</a:t>
+              <a:t>14/05/2022</a:t>
             </a:fld>
             <a:endParaRPr lang="en-GB"/>
           </a:p>
@@ -2623,7 +2623,7 @@
             <a:fld id="{26EA1CF3-4A15-4CBF-9A5A-6A56C368BE71}" type="datetimeFigureOut">
               <a:rPr lang="en-GB" smtClean="0"/>
               <a:pPr/>
-              <a:t>09/05/2022</a:t>
+              <a:t>14/05/2022</a:t>
             </a:fld>
             <a:endParaRPr lang="en-GB"/>
           </a:p>
@@ -2873,7 +2873,7 @@
             <a:fld id="{26EA1CF3-4A15-4CBF-9A5A-6A56C368BE71}" type="datetimeFigureOut">
               <a:rPr lang="en-GB" smtClean="0"/>
               <a:pPr/>
-              <a:t>09/05/2022</a:t>
+              <a:t>14/05/2022</a:t>
             </a:fld>
             <a:endParaRPr lang="en-GB"/>
           </a:p>
@@ -3086,7 +3086,7 @@
             <a:fld id="{26EA1CF3-4A15-4CBF-9A5A-6A56C368BE71}" type="datetimeFigureOut">
               <a:rPr lang="en-GB" smtClean="0"/>
               <a:pPr/>
-              <a:t>09/05/2022</a:t>
+              <a:t>14/05/2022</a:t>
             </a:fld>
             <a:endParaRPr lang="en-GB"/>
           </a:p>
@@ -4344,7 +4344,7 @@
                   <a:schemeClr val="bg1"/>
                 </a:solidFill>
               </a:rPr>
-              <a:t>Let us all His love accepting</a:t>
+              <a:t>Let me, all Your love accepting</a:t>
             </a:r>
             <a:br>
               <a:rPr lang="en-GB" sz="4800" dirty="0">
@@ -4359,7 +4359,7 @@
                   <a:schemeClr val="bg1"/>
                 </a:solidFill>
               </a:rPr>
-              <a:t>Love Him ever all our days</a:t>
+              <a:t>Love You ever all my days</a:t>
             </a:r>
             <a:br>
               <a:rPr lang="en-GB" sz="4800" dirty="0">
@@ -4374,7 +4374,7 @@
                   <a:schemeClr val="bg1"/>
                 </a:solidFill>
               </a:rPr>
-              <a:t>Let us seek His kingdom only</a:t>
+              <a:t>Let me seek Your kingdom only</a:t>
             </a:r>
             <a:br>
               <a:rPr lang="en-GB" sz="4800" dirty="0">
@@ -4389,7 +4389,7 @@
                   <a:schemeClr val="bg1"/>
                 </a:solidFill>
               </a:rPr>
-              <a:t>And our lives to be His praise</a:t>
+              <a:t>And my life to be Your praise</a:t>
             </a:r>
             <a:br>
               <a:rPr lang="en-GB" sz="4800" dirty="0">
@@ -4404,7 +4404,7 @@
                   <a:schemeClr val="bg1"/>
                 </a:solidFill>
               </a:rPr>
-              <a:t>He alone shall be our glory</a:t>
+              <a:t>You alone shall be my glory</a:t>
             </a:r>
             <a:br>
               <a:rPr lang="en-GB" sz="4800" dirty="0">
@@ -4419,7 +4419,7 @@
                   <a:schemeClr val="bg1"/>
                 </a:solidFill>
               </a:rPr>
-              <a:t>Nothing in the world we see</a:t>
+              <a:t>Nothing in the world I seek</a:t>
             </a:r>
             <a:br>
               <a:rPr lang="en-GB" sz="4800" dirty="0">
@@ -4434,7 +4434,7 @@
                   <a:schemeClr val="bg1"/>
                 </a:solidFill>
               </a:rPr>
-              <a:t>For He has cleansed and sanctified us</a:t>
+              <a:t>For You have cleansed and sanctified me</a:t>
             </a:r>
             <a:br>
               <a:rPr lang="en-GB" sz="4800" dirty="0">
@@ -4449,7 +4449,7 @@
                   <a:schemeClr val="bg1"/>
                 </a:solidFill>
               </a:rPr>
-              <a:t>He Himself has set us free</a:t>
+              <a:t>You, Yourself have set me free</a:t>
             </a:r>
             <a:endParaRPr lang="en-GB" sz="4700" dirty="0">
               <a:solidFill>
